--- a/doc/fig.pptx
+++ b/doc/fig.pptx
@@ -6,6 +6,7 @@
   </p:sldMasterIdLst>
   <p:sldIdLst>
     <p:sldId id="256" r:id="rId2"/>
+    <p:sldId id="257" r:id="rId3"/>
   </p:sldIdLst>
   <p:sldSz cx="9144000" cy="6858000" type="screen4x3"/>
   <p:notesSz cx="6858000" cy="9144000"/>
@@ -288,7 +289,7 @@
           <a:p>
             <a:fld id="{8DC9F4B5-F7E0-AD4B-8C39-4723C2058BDB}" type="datetimeFigureOut">
               <a:rPr lang="en-US" smtClean="0"/>
-              <a:t>2/18/16</a:t>
+              <a:t>4/25/16</a:t>
             </a:fld>
             <a:endParaRPr lang="en-US"/>
           </a:p>
@@ -458,7 +459,7 @@
           <a:p>
             <a:fld id="{8DC9F4B5-F7E0-AD4B-8C39-4723C2058BDB}" type="datetimeFigureOut">
               <a:rPr lang="en-US" smtClean="0"/>
-              <a:t>2/18/16</a:t>
+              <a:t>4/25/16</a:t>
             </a:fld>
             <a:endParaRPr lang="en-US"/>
           </a:p>
@@ -638,7 +639,7 @@
           <a:p>
             <a:fld id="{8DC9F4B5-F7E0-AD4B-8C39-4723C2058BDB}" type="datetimeFigureOut">
               <a:rPr lang="en-US" smtClean="0"/>
-              <a:t>2/18/16</a:t>
+              <a:t>4/25/16</a:t>
             </a:fld>
             <a:endParaRPr lang="en-US"/>
           </a:p>
@@ -808,7 +809,7 @@
           <a:p>
             <a:fld id="{8DC9F4B5-F7E0-AD4B-8C39-4723C2058BDB}" type="datetimeFigureOut">
               <a:rPr lang="en-US" smtClean="0"/>
-              <a:t>2/18/16</a:t>
+              <a:t>4/25/16</a:t>
             </a:fld>
             <a:endParaRPr lang="en-US"/>
           </a:p>
@@ -1054,7 +1055,7 @@
           <a:p>
             <a:fld id="{8DC9F4B5-F7E0-AD4B-8C39-4723C2058BDB}" type="datetimeFigureOut">
               <a:rPr lang="en-US" smtClean="0"/>
-              <a:t>2/18/16</a:t>
+              <a:t>4/25/16</a:t>
             </a:fld>
             <a:endParaRPr lang="en-US"/>
           </a:p>
@@ -1342,7 +1343,7 @@
           <a:p>
             <a:fld id="{8DC9F4B5-F7E0-AD4B-8C39-4723C2058BDB}" type="datetimeFigureOut">
               <a:rPr lang="en-US" smtClean="0"/>
-              <a:t>2/18/16</a:t>
+              <a:t>4/25/16</a:t>
             </a:fld>
             <a:endParaRPr lang="en-US"/>
           </a:p>
@@ -1764,7 +1765,7 @@
           <a:p>
             <a:fld id="{8DC9F4B5-F7E0-AD4B-8C39-4723C2058BDB}" type="datetimeFigureOut">
               <a:rPr lang="en-US" smtClean="0"/>
-              <a:t>2/18/16</a:t>
+              <a:t>4/25/16</a:t>
             </a:fld>
             <a:endParaRPr lang="en-US"/>
           </a:p>
@@ -1882,7 +1883,7 @@
           <a:p>
             <a:fld id="{8DC9F4B5-F7E0-AD4B-8C39-4723C2058BDB}" type="datetimeFigureOut">
               <a:rPr lang="en-US" smtClean="0"/>
-              <a:t>2/18/16</a:t>
+              <a:t>4/25/16</a:t>
             </a:fld>
             <a:endParaRPr lang="en-US"/>
           </a:p>
@@ -1977,7 +1978,7 @@
           <a:p>
             <a:fld id="{8DC9F4B5-F7E0-AD4B-8C39-4723C2058BDB}" type="datetimeFigureOut">
               <a:rPr lang="en-US" smtClean="0"/>
-              <a:t>2/18/16</a:t>
+              <a:t>4/25/16</a:t>
             </a:fld>
             <a:endParaRPr lang="en-US"/>
           </a:p>
@@ -2254,7 +2255,7 @@
           <a:p>
             <a:fld id="{8DC9F4B5-F7E0-AD4B-8C39-4723C2058BDB}" type="datetimeFigureOut">
               <a:rPr lang="en-US" smtClean="0"/>
-              <a:t>2/18/16</a:t>
+              <a:t>4/25/16</a:t>
             </a:fld>
             <a:endParaRPr lang="en-US"/>
           </a:p>
@@ -2507,7 +2508,7 @@
           <a:p>
             <a:fld id="{8DC9F4B5-F7E0-AD4B-8C39-4723C2058BDB}" type="datetimeFigureOut">
               <a:rPr lang="en-US" smtClean="0"/>
-              <a:t>2/18/16</a:t>
+              <a:t>4/25/16</a:t>
             </a:fld>
             <a:endParaRPr lang="en-US"/>
           </a:p>
@@ -2720,7 +2721,7 @@
           <a:p>
             <a:fld id="{8DC9F4B5-F7E0-AD4B-8C39-4723C2058BDB}" type="datetimeFigureOut">
               <a:rPr lang="en-US" smtClean="0"/>
-              <a:t>2/18/16</a:t>
+              <a:t>4/25/16</a:t>
             </a:fld>
             <a:endParaRPr lang="en-US"/>
           </a:p>
@@ -3103,6 +3104,422 @@
         </p:nvSpPr>
         <p:spPr>
           <a:xfrm>
+            <a:off x="1814178" y="1337209"/>
+            <a:ext cx="627073" cy="627073"/>
+          </a:xfrm>
+          <a:prstGeom prst="ellipse">
+            <a:avLst/>
+          </a:prstGeom>
+        </p:spPr>
+        <p:style>
+          <a:lnRef idx="2">
+            <a:schemeClr val="dk1"/>
+          </a:lnRef>
+          <a:fillRef idx="1">
+            <a:schemeClr val="lt1"/>
+          </a:fillRef>
+          <a:effectRef idx="0">
+            <a:schemeClr val="dk1"/>
+          </a:effectRef>
+          <a:fontRef idx="minor">
+            <a:schemeClr val="dk1"/>
+          </a:fontRef>
+        </p:style>
+        <p:txBody>
+          <a:bodyPr rtlCol="0" anchor="ctr"/>
+          <a:lstStyle/>
+          <a:p>
+            <a:pPr algn="ctr"/>
+            <a:r>
+              <a:rPr lang="en-US" dirty="0" smtClean="0"/>
+              <a:t>X</a:t>
+            </a:r>
+            <a:endParaRPr lang="en-US" dirty="0"/>
+          </a:p>
+        </p:txBody>
+      </p:sp>
+      <p:sp>
+        <p:nvSpPr>
+          <p:cNvPr id="5" name="TextBox 4"/>
+          <p:cNvSpPr txBox="1"/>
+          <p:nvPr/>
+        </p:nvSpPr>
+        <p:spPr>
+          <a:xfrm>
+            <a:off x="2825018" y="1466388"/>
+            <a:ext cx="813043" cy="369332"/>
+          </a:xfrm>
+          <a:prstGeom prst="rect">
+            <a:avLst/>
+          </a:prstGeom>
+        </p:spPr>
+        <p:style>
+          <a:lnRef idx="2">
+            <a:schemeClr val="dk1"/>
+          </a:lnRef>
+          <a:fillRef idx="1">
+            <a:schemeClr val="lt1"/>
+          </a:fillRef>
+          <a:effectRef idx="0">
+            <a:schemeClr val="dk1"/>
+          </a:effectRef>
+          <a:fontRef idx="minor">
+            <a:schemeClr val="dk1"/>
+          </a:fontRef>
+        </p:style>
+        <p:txBody>
+          <a:bodyPr wrap="none" rtlCol="0">
+            <a:spAutoFit/>
+          </a:bodyPr>
+          <a:lstStyle/>
+          <a:p>
+            <a:r>
+              <a:rPr lang="en-US" dirty="0" smtClean="0"/>
+              <a:t>parent</a:t>
+            </a:r>
+            <a:endParaRPr lang="en-US" dirty="0"/>
+          </a:p>
+        </p:txBody>
+      </p:sp>
+      <p:sp>
+        <p:nvSpPr>
+          <p:cNvPr id="6" name="Oval 5"/>
+          <p:cNvSpPr/>
+          <p:nvPr/>
+        </p:nvSpPr>
+        <p:spPr>
+          <a:xfrm>
+            <a:off x="3959860" y="1337209"/>
+            <a:ext cx="627073" cy="627073"/>
+          </a:xfrm>
+          <a:prstGeom prst="ellipse">
+            <a:avLst/>
+          </a:prstGeom>
+        </p:spPr>
+        <p:style>
+          <a:lnRef idx="2">
+            <a:schemeClr val="dk1"/>
+          </a:lnRef>
+          <a:fillRef idx="1">
+            <a:schemeClr val="lt1"/>
+          </a:fillRef>
+          <a:effectRef idx="0">
+            <a:schemeClr val="dk1"/>
+          </a:effectRef>
+          <a:fontRef idx="minor">
+            <a:schemeClr val="dk1"/>
+          </a:fontRef>
+        </p:style>
+        <p:txBody>
+          <a:bodyPr rtlCol="0" anchor="ctr"/>
+          <a:lstStyle/>
+          <a:p>
+            <a:pPr algn="ctr"/>
+            <a:r>
+              <a:rPr lang="en-US" dirty="0" smtClean="0"/>
+              <a:t>Z</a:t>
+            </a:r>
+            <a:endParaRPr lang="en-US" dirty="0"/>
+          </a:p>
+        </p:txBody>
+      </p:sp>
+      <p:sp>
+        <p:nvSpPr>
+          <p:cNvPr id="7" name="TextBox 6"/>
+          <p:cNvSpPr txBox="1"/>
+          <p:nvPr/>
+        </p:nvSpPr>
+        <p:spPr>
+          <a:xfrm>
+            <a:off x="4996131" y="1466080"/>
+            <a:ext cx="902811" cy="369332"/>
+          </a:xfrm>
+          <a:prstGeom prst="rect">
+            <a:avLst/>
+          </a:prstGeom>
+        </p:spPr>
+        <p:style>
+          <a:lnRef idx="2">
+            <a:schemeClr val="dk1"/>
+          </a:lnRef>
+          <a:fillRef idx="1">
+            <a:schemeClr val="lt1"/>
+          </a:fillRef>
+          <a:effectRef idx="0">
+            <a:schemeClr val="dk1"/>
+          </a:effectRef>
+          <a:fontRef idx="minor">
+            <a:schemeClr val="dk1"/>
+          </a:fontRef>
+        </p:style>
+        <p:txBody>
+          <a:bodyPr wrap="none" rtlCol="0">
+            <a:spAutoFit/>
+          </a:bodyPr>
+          <a:lstStyle/>
+          <a:p>
+            <a:r>
+              <a:rPr lang="en-US" dirty="0" smtClean="0"/>
+              <a:t>brother</a:t>
+            </a:r>
+            <a:endParaRPr lang="en-US" dirty="0"/>
+          </a:p>
+        </p:txBody>
+      </p:sp>
+      <p:sp>
+        <p:nvSpPr>
+          <p:cNvPr id="8" name="Oval 7"/>
+          <p:cNvSpPr/>
+          <p:nvPr/>
+        </p:nvSpPr>
+        <p:spPr>
+          <a:xfrm>
+            <a:off x="6283115" y="1337209"/>
+            <a:ext cx="627073" cy="627073"/>
+          </a:xfrm>
+          <a:prstGeom prst="ellipse">
+            <a:avLst/>
+          </a:prstGeom>
+        </p:spPr>
+        <p:style>
+          <a:lnRef idx="2">
+            <a:schemeClr val="dk1"/>
+          </a:lnRef>
+          <a:fillRef idx="1">
+            <a:schemeClr val="lt1"/>
+          </a:fillRef>
+          <a:effectRef idx="0">
+            <a:schemeClr val="dk1"/>
+          </a:effectRef>
+          <a:fontRef idx="minor">
+            <a:schemeClr val="dk1"/>
+          </a:fontRef>
+        </p:style>
+        <p:txBody>
+          <a:bodyPr rtlCol="0" anchor="ctr"/>
+          <a:lstStyle/>
+          <a:p>
+            <a:pPr algn="ctr"/>
+            <a:r>
+              <a:rPr lang="en-US" dirty="0" smtClean="0"/>
+              <a:t>Y</a:t>
+            </a:r>
+            <a:endParaRPr lang="en-US" dirty="0"/>
+          </a:p>
+        </p:txBody>
+      </p:sp>
+      <p:cxnSp>
+        <p:nvCxnSpPr>
+          <p:cNvPr id="10" name="Straight Connector 9"/>
+          <p:cNvCxnSpPr>
+            <a:stCxn id="4" idx="6"/>
+            <a:endCxn id="5" idx="1"/>
+          </p:cNvCxnSpPr>
+          <p:nvPr/>
+        </p:nvCxnSpPr>
+        <p:spPr>
+          <a:xfrm>
+            <a:off x="2441251" y="1650746"/>
+            <a:ext cx="383767" cy="308"/>
+          </a:xfrm>
+          <a:prstGeom prst="line">
+            <a:avLst/>
+          </a:prstGeom>
+        </p:spPr>
+        <p:style>
+          <a:lnRef idx="2">
+            <a:schemeClr val="accent1"/>
+          </a:lnRef>
+          <a:fillRef idx="0">
+            <a:schemeClr val="accent1"/>
+          </a:fillRef>
+          <a:effectRef idx="1">
+            <a:schemeClr val="accent1"/>
+          </a:effectRef>
+          <a:fontRef idx="minor">
+            <a:schemeClr val="tx1"/>
+          </a:fontRef>
+        </p:style>
+      </p:cxnSp>
+      <p:cxnSp>
+        <p:nvCxnSpPr>
+          <p:cNvPr id="12" name="Straight Connector 11"/>
+          <p:cNvCxnSpPr>
+            <a:stCxn id="5" idx="3"/>
+            <a:endCxn id="6" idx="2"/>
+          </p:cNvCxnSpPr>
+          <p:nvPr/>
+        </p:nvCxnSpPr>
+        <p:spPr>
+          <a:xfrm flipV="1">
+            <a:off x="3638061" y="1650746"/>
+            <a:ext cx="321799" cy="308"/>
+          </a:xfrm>
+          <a:prstGeom prst="line">
+            <a:avLst/>
+          </a:prstGeom>
+        </p:spPr>
+        <p:style>
+          <a:lnRef idx="2">
+            <a:schemeClr val="accent1"/>
+          </a:lnRef>
+          <a:fillRef idx="0">
+            <a:schemeClr val="accent1"/>
+          </a:fillRef>
+          <a:effectRef idx="1">
+            <a:schemeClr val="accent1"/>
+          </a:effectRef>
+          <a:fontRef idx="minor">
+            <a:schemeClr val="tx1"/>
+          </a:fontRef>
+        </p:style>
+      </p:cxnSp>
+      <p:cxnSp>
+        <p:nvCxnSpPr>
+          <p:cNvPr id="15" name="Straight Connector 14"/>
+          <p:cNvCxnSpPr>
+            <a:stCxn id="6" idx="6"/>
+            <a:endCxn id="7" idx="1"/>
+          </p:cNvCxnSpPr>
+          <p:nvPr/>
+        </p:nvCxnSpPr>
+        <p:spPr>
+          <a:xfrm>
+            <a:off x="4586933" y="1650746"/>
+            <a:ext cx="409198" cy="0"/>
+          </a:xfrm>
+          <a:prstGeom prst="line">
+            <a:avLst/>
+          </a:prstGeom>
+        </p:spPr>
+        <p:style>
+          <a:lnRef idx="2">
+            <a:schemeClr val="accent1"/>
+          </a:lnRef>
+          <a:fillRef idx="0">
+            <a:schemeClr val="accent1"/>
+          </a:fillRef>
+          <a:effectRef idx="1">
+            <a:schemeClr val="accent1"/>
+          </a:effectRef>
+          <a:fontRef idx="minor">
+            <a:schemeClr val="tx1"/>
+          </a:fontRef>
+        </p:style>
+      </p:cxnSp>
+      <p:cxnSp>
+        <p:nvCxnSpPr>
+          <p:cNvPr id="17" name="Straight Connector 16"/>
+          <p:cNvCxnSpPr>
+            <a:stCxn id="7" idx="3"/>
+            <a:endCxn id="8" idx="2"/>
+          </p:cNvCxnSpPr>
+          <p:nvPr/>
+        </p:nvCxnSpPr>
+        <p:spPr>
+          <a:xfrm>
+            <a:off x="5898942" y="1650746"/>
+            <a:ext cx="384173" cy="0"/>
+          </a:xfrm>
+          <a:prstGeom prst="line">
+            <a:avLst/>
+          </a:prstGeom>
+        </p:spPr>
+        <p:style>
+          <a:lnRef idx="2">
+            <a:schemeClr val="accent1"/>
+          </a:lnRef>
+          <a:fillRef idx="0">
+            <a:schemeClr val="accent1"/>
+          </a:fillRef>
+          <a:effectRef idx="1">
+            <a:schemeClr val="accent1"/>
+          </a:effectRef>
+          <a:fontRef idx="minor">
+            <a:schemeClr val="tx1"/>
+          </a:fontRef>
+        </p:style>
+      </p:cxnSp>
+      <p:sp>
+        <p:nvSpPr>
+          <p:cNvPr id="42" name="Rectangle 41"/>
+          <p:cNvSpPr/>
+          <p:nvPr/>
+        </p:nvSpPr>
+        <p:spPr>
+          <a:xfrm>
+            <a:off x="141099" y="168932"/>
+            <a:ext cx="8607040" cy="4832959"/>
+          </a:xfrm>
+          <a:prstGeom prst="rect">
+            <a:avLst/>
+          </a:prstGeom>
+          <a:noFill/>
+          <a:ln>
+            <a:prstDash val="sysDash"/>
+          </a:ln>
+        </p:spPr>
+        <p:style>
+          <a:lnRef idx="1">
+            <a:schemeClr val="accent1"/>
+          </a:lnRef>
+          <a:fillRef idx="3">
+            <a:schemeClr val="accent1"/>
+          </a:fillRef>
+          <a:effectRef idx="2">
+            <a:schemeClr val="accent1"/>
+          </a:effectRef>
+          <a:fontRef idx="minor">
+            <a:schemeClr val="lt1"/>
+          </a:fontRef>
+        </p:style>
+        <p:txBody>
+          <a:bodyPr rtlCol="0" anchor="ctr"/>
+          <a:lstStyle/>
+          <a:p>
+            <a:pPr algn="ctr"/>
+            <a:endParaRPr lang="en-US"/>
+          </a:p>
+        </p:txBody>
+      </p:sp>
+    </p:spTree>
+    <p:extLst>
+      <p:ext uri="{BB962C8B-B14F-4D97-AF65-F5344CB8AC3E}">
+        <p14:creationId xmlns:p14="http://schemas.microsoft.com/office/powerpoint/2010/main" val="1001160464"/>
+      </p:ext>
+    </p:extLst>
+  </p:cSld>
+  <p:clrMapOvr>
+    <a:masterClrMapping/>
+  </p:clrMapOvr>
+</p:sld>
+</file>
+
+<file path=ppt/slides/slide2.xml><?xml version="1.0" encoding="utf-8"?>
+<p:sld xmlns:a="http://schemas.openxmlformats.org/drawingml/2006/main" xmlns:r="http://schemas.openxmlformats.org/officeDocument/2006/relationships" xmlns:p="http://schemas.openxmlformats.org/presentationml/2006/main">
+  <p:cSld>
+    <p:spTree>
+      <p:nvGrpSpPr>
+        <p:cNvPr id="1" name=""/>
+        <p:cNvGrpSpPr/>
+        <p:nvPr/>
+      </p:nvGrpSpPr>
+      <p:grpSpPr>
+        <a:xfrm>
+          <a:off x="0" y="0"/>
+          <a:ext cx="0" cy="0"/>
+          <a:chOff x="0" y="0"/>
+          <a:chExt cx="0" cy="0"/>
+        </a:xfrm>
+      </p:grpSpPr>
+      <p:sp>
+        <p:nvSpPr>
+          <p:cNvPr id="4" name="Oval 3"/>
+          <p:cNvSpPr/>
+          <p:nvPr/>
+        </p:nvSpPr>
+        <p:spPr>
+          <a:xfrm>
             <a:off x="1892462" y="1337209"/>
             <a:ext cx="627073" cy="627073"/>
           </a:xfrm>
@@ -4378,7 +4795,7 @@
     </p:spTree>
     <p:extLst>
       <p:ext uri="{BB962C8B-B14F-4D97-AF65-F5344CB8AC3E}">
-        <p14:creationId xmlns:p14="http://schemas.microsoft.com/office/powerpoint/2010/main" val="1001160464"/>
+        <p14:creationId xmlns:p14="http://schemas.microsoft.com/office/powerpoint/2010/main" val="2612481712"/>
       </p:ext>
     </p:extLst>
   </p:cSld>

--- a/doc/fig.pptx
+++ b/doc/fig.pptx
@@ -5,8 +5,7 @@
     <p:sldMasterId id="2147483648" r:id="rId1"/>
   </p:sldMasterIdLst>
   <p:sldIdLst>
-    <p:sldId id="256" r:id="rId2"/>
-    <p:sldId id="257" r:id="rId3"/>
+    <p:sldId id="257" r:id="rId2"/>
   </p:sldIdLst>
   <p:sldSz cx="9144000" cy="6858000" type="screen4x3"/>
   <p:notesSz cx="6858000" cy="9144000"/>
@@ -289,7 +288,7 @@
           <a:p>
             <a:fld id="{8DC9F4B5-F7E0-AD4B-8C39-4723C2058BDB}" type="datetimeFigureOut">
               <a:rPr lang="en-US" smtClean="0"/>
-              <a:t>4/25/16</a:t>
+              <a:t>5/7/16</a:t>
             </a:fld>
             <a:endParaRPr lang="en-US"/>
           </a:p>
@@ -459,7 +458,7 @@
           <a:p>
             <a:fld id="{8DC9F4B5-F7E0-AD4B-8C39-4723C2058BDB}" type="datetimeFigureOut">
               <a:rPr lang="en-US" smtClean="0"/>
-              <a:t>4/25/16</a:t>
+              <a:t>5/7/16</a:t>
             </a:fld>
             <a:endParaRPr lang="en-US"/>
           </a:p>
@@ -639,7 +638,7 @@
           <a:p>
             <a:fld id="{8DC9F4B5-F7E0-AD4B-8C39-4723C2058BDB}" type="datetimeFigureOut">
               <a:rPr lang="en-US" smtClean="0"/>
-              <a:t>4/25/16</a:t>
+              <a:t>5/7/16</a:t>
             </a:fld>
             <a:endParaRPr lang="en-US"/>
           </a:p>
@@ -809,7 +808,7 @@
           <a:p>
             <a:fld id="{8DC9F4B5-F7E0-AD4B-8C39-4723C2058BDB}" type="datetimeFigureOut">
               <a:rPr lang="en-US" smtClean="0"/>
-              <a:t>4/25/16</a:t>
+              <a:t>5/7/16</a:t>
             </a:fld>
             <a:endParaRPr lang="en-US"/>
           </a:p>
@@ -1055,7 +1054,7 @@
           <a:p>
             <a:fld id="{8DC9F4B5-F7E0-AD4B-8C39-4723C2058BDB}" type="datetimeFigureOut">
               <a:rPr lang="en-US" smtClean="0"/>
-              <a:t>4/25/16</a:t>
+              <a:t>5/7/16</a:t>
             </a:fld>
             <a:endParaRPr lang="en-US"/>
           </a:p>
@@ -1343,7 +1342,7 @@
           <a:p>
             <a:fld id="{8DC9F4B5-F7E0-AD4B-8C39-4723C2058BDB}" type="datetimeFigureOut">
               <a:rPr lang="en-US" smtClean="0"/>
-              <a:t>4/25/16</a:t>
+              <a:t>5/7/16</a:t>
             </a:fld>
             <a:endParaRPr lang="en-US"/>
           </a:p>
@@ -1765,7 +1764,7 @@
           <a:p>
             <a:fld id="{8DC9F4B5-F7E0-AD4B-8C39-4723C2058BDB}" type="datetimeFigureOut">
               <a:rPr lang="en-US" smtClean="0"/>
-              <a:t>4/25/16</a:t>
+              <a:t>5/7/16</a:t>
             </a:fld>
             <a:endParaRPr lang="en-US"/>
           </a:p>
@@ -1883,7 +1882,7 @@
           <a:p>
             <a:fld id="{8DC9F4B5-F7E0-AD4B-8C39-4723C2058BDB}" type="datetimeFigureOut">
               <a:rPr lang="en-US" smtClean="0"/>
-              <a:t>4/25/16</a:t>
+              <a:t>5/7/16</a:t>
             </a:fld>
             <a:endParaRPr lang="en-US"/>
           </a:p>
@@ -1978,7 +1977,7 @@
           <a:p>
             <a:fld id="{8DC9F4B5-F7E0-AD4B-8C39-4723C2058BDB}" type="datetimeFigureOut">
               <a:rPr lang="en-US" smtClean="0"/>
-              <a:t>4/25/16</a:t>
+              <a:t>5/7/16</a:t>
             </a:fld>
             <a:endParaRPr lang="en-US"/>
           </a:p>
@@ -2255,7 +2254,7 @@
           <a:p>
             <a:fld id="{8DC9F4B5-F7E0-AD4B-8C39-4723C2058BDB}" type="datetimeFigureOut">
               <a:rPr lang="en-US" smtClean="0"/>
-              <a:t>4/25/16</a:t>
+              <a:t>5/7/16</a:t>
             </a:fld>
             <a:endParaRPr lang="en-US"/>
           </a:p>
@@ -2508,7 +2507,7 @@
           <a:p>
             <a:fld id="{8DC9F4B5-F7E0-AD4B-8C39-4723C2058BDB}" type="datetimeFigureOut">
               <a:rPr lang="en-US" smtClean="0"/>
-              <a:t>4/25/16</a:t>
+              <a:t>5/7/16</a:t>
             </a:fld>
             <a:endParaRPr lang="en-US"/>
           </a:p>
@@ -2721,7 +2720,7 @@
           <a:p>
             <a:fld id="{8DC9F4B5-F7E0-AD4B-8C39-4723C2058BDB}" type="datetimeFigureOut">
               <a:rPr lang="en-US" smtClean="0"/>
-              <a:t>4/25/16</a:t>
+              <a:t>5/7/16</a:t>
             </a:fld>
             <a:endParaRPr lang="en-US"/>
           </a:p>
@@ -3104,12 +3103,13 @@
         </p:nvSpPr>
         <p:spPr>
           <a:xfrm>
-            <a:off x="1814178" y="1337209"/>
+            <a:off x="310726" y="761401"/>
             <a:ext cx="627073" cy="627073"/>
           </a:xfrm>
           <a:prstGeom prst="ellipse">
             <a:avLst/>
           </a:prstGeom>
+          <a:noFill/>
         </p:spPr>
         <p:style>
           <a:lnRef idx="2">
@@ -3132,7 +3132,7 @@
             <a:pPr algn="ctr"/>
             <a:r>
               <a:rPr lang="en-US" dirty="0" smtClean="0"/>
-              <a:t>X</a:t>
+              <a:t>X*</a:t>
             </a:r>
             <a:endParaRPr lang="en-US" dirty="0"/>
           </a:p>
@@ -3146,7 +3146,7 @@
         </p:nvSpPr>
         <p:spPr>
           <a:xfrm>
-            <a:off x="2825018" y="1466388"/>
+            <a:off x="1260744" y="905963"/>
             <a:ext cx="813043" cy="369332"/>
           </a:xfrm>
           <a:prstGeom prst="rect">
@@ -3189,7 +3189,7 @@
         </p:nvSpPr>
         <p:spPr>
           <a:xfrm>
-            <a:off x="3959860" y="1337209"/>
+            <a:off x="2295602" y="768270"/>
             <a:ext cx="627073" cy="627073"/>
           </a:xfrm>
           <a:prstGeom prst="ellipse">
@@ -3217,7 +3217,7 @@
             <a:pPr algn="ctr"/>
             <a:r>
               <a:rPr lang="en-US" dirty="0" smtClean="0"/>
-              <a:t>Z</a:t>
+              <a:t>W</a:t>
             </a:r>
             <a:endParaRPr lang="en-US" dirty="0"/>
           </a:p>
@@ -3231,7 +3231,7 @@
         </p:nvSpPr>
         <p:spPr>
           <a:xfrm>
-            <a:off x="4996131" y="1466080"/>
+            <a:off x="3170778" y="897141"/>
             <a:ext cx="902811" cy="369332"/>
           </a:xfrm>
           <a:prstGeom prst="rect">
@@ -3274,7 +3274,7 @@
         </p:nvSpPr>
         <p:spPr>
           <a:xfrm>
-            <a:off x="6283115" y="1337209"/>
+            <a:off x="4363536" y="768270"/>
             <a:ext cx="627073" cy="627073"/>
           </a:xfrm>
           <a:prstGeom prst="ellipse">
@@ -3302,7 +3302,7 @@
             <a:pPr algn="ctr"/>
             <a:r>
               <a:rPr lang="en-US" dirty="0" smtClean="0"/>
-              <a:t>Y</a:t>
+              <a:t>Y*</a:t>
             </a:r>
             <a:endParaRPr lang="en-US" dirty="0"/>
           </a:p>
@@ -3319,8 +3319,8 @@
         </p:nvCxnSpPr>
         <p:spPr>
           <a:xfrm>
-            <a:off x="2441251" y="1650746"/>
-            <a:ext cx="383767" cy="308"/>
+            <a:off x="937799" y="1074938"/>
+            <a:ext cx="322945" cy="11280"/>
           </a:xfrm>
           <a:prstGeom prst="line">
             <a:avLst/>
@@ -3352,8 +3352,8 @@
         </p:nvCxnSpPr>
         <p:spPr>
           <a:xfrm flipV="1">
-            <a:off x="3638061" y="1650746"/>
-            <a:ext cx="321799" cy="308"/>
+            <a:off x="2073787" y="1081807"/>
+            <a:ext cx="221815" cy="4411"/>
           </a:xfrm>
           <a:prstGeom prst="line">
             <a:avLst/>
@@ -3385,8 +3385,8 @@
         </p:nvCxnSpPr>
         <p:spPr>
           <a:xfrm>
-            <a:off x="4586933" y="1650746"/>
-            <a:ext cx="409198" cy="0"/>
+            <a:off x="2922675" y="1081807"/>
+            <a:ext cx="248103" cy="0"/>
           </a:xfrm>
           <a:prstGeom prst="line">
             <a:avLst/>
@@ -3418,8 +3418,8 @@
         </p:nvCxnSpPr>
         <p:spPr>
           <a:xfrm>
-            <a:off x="5898942" y="1650746"/>
-            <a:ext cx="384173" cy="0"/>
+            <a:off x="4073589" y="1081807"/>
+            <a:ext cx="289947" cy="0"/>
           </a:xfrm>
           <a:prstGeom prst="line">
             <a:avLst/>
@@ -3442,90 +3442,51 @@
       </p:cxnSp>
       <p:sp>
         <p:nvSpPr>
-          <p:cNvPr id="42" name="Rectangle 41"/>
-          <p:cNvSpPr/>
+          <p:cNvPr id="78" name="TextBox 77"/>
+          <p:cNvSpPr txBox="1"/>
           <p:nvPr/>
         </p:nvSpPr>
         <p:spPr>
           <a:xfrm>
-            <a:off x="141099" y="168932"/>
-            <a:ext cx="8607040" cy="4832959"/>
+            <a:off x="915514" y="204638"/>
+            <a:ext cx="3693927" cy="369332"/>
           </a:xfrm>
           <a:prstGeom prst="rect">
             <a:avLst/>
           </a:prstGeom>
-          <a:noFill/>
-          <a:ln>
-            <a:prstDash val="sysDash"/>
-          </a:ln>
-        </p:spPr>
-        <p:style>
-          <a:lnRef idx="1">
-            <a:schemeClr val="accent1"/>
-          </a:lnRef>
-          <a:fillRef idx="3">
-            <a:schemeClr val="accent1"/>
-          </a:fillRef>
-          <a:effectRef idx="2">
-            <a:schemeClr val="accent1"/>
-          </a:effectRef>
-          <a:fontRef idx="minor">
-            <a:schemeClr val="lt1"/>
-          </a:fontRef>
-        </p:style>
-        <p:txBody>
-          <a:bodyPr rtlCol="0" anchor="ctr"/>
-          <a:lstStyle/>
-          <a:p>
-            <a:pPr algn="ctr"/>
-            <a:endParaRPr lang="en-US"/>
-          </a:p>
-        </p:txBody>
-      </p:sp>
-    </p:spTree>
-    <p:extLst>
-      <p:ext uri="{BB962C8B-B14F-4D97-AF65-F5344CB8AC3E}">
-        <p14:creationId xmlns:p14="http://schemas.microsoft.com/office/powerpoint/2010/main" val="1001160464"/>
-      </p:ext>
-    </p:extLst>
-  </p:cSld>
-  <p:clrMapOvr>
-    <a:masterClrMapping/>
-  </p:clrMapOvr>
-</p:sld>
-</file>
-
-<file path=ppt/slides/slide2.xml><?xml version="1.0" encoding="utf-8"?>
-<p:sld xmlns:a="http://schemas.openxmlformats.org/drawingml/2006/main" xmlns:r="http://schemas.openxmlformats.org/officeDocument/2006/relationships" xmlns:p="http://schemas.openxmlformats.org/presentationml/2006/main">
-  <p:cSld>
-    <p:spTree>
-      <p:nvGrpSpPr>
-        <p:cNvPr id="1" name=""/>
-        <p:cNvGrpSpPr/>
-        <p:nvPr/>
-      </p:nvGrpSpPr>
-      <p:grpSpPr>
-        <a:xfrm>
-          <a:off x="0" y="0"/>
-          <a:ext cx="0" cy="0"/>
-          <a:chOff x="0" y="0"/>
-          <a:chExt cx="0" cy="0"/>
-        </a:xfrm>
-      </p:grpSpPr>
-      <p:sp>
-        <p:nvSpPr>
-          <p:cNvPr id="4" name="Oval 3"/>
+          <a:solidFill>
+            <a:schemeClr val="bg1"/>
+          </a:solidFill>
+        </p:spPr>
+        <p:txBody>
+          <a:bodyPr wrap="none" rtlCol="0">
+            <a:spAutoFit/>
+          </a:bodyPr>
+          <a:lstStyle/>
+          <a:p>
+            <a:r>
+              <a:rPr lang="en-US" dirty="0" smtClean="0"/>
+              <a:t>uncle(X,Y):-parent(X,W),brother(W,Y)</a:t>
+            </a:r>
+            <a:endParaRPr lang="en-US" dirty="0"/>
+          </a:p>
+        </p:txBody>
+      </p:sp>
+      <p:sp>
+        <p:nvSpPr>
+          <p:cNvPr id="49" name="Oval 48"/>
           <p:cNvSpPr/>
           <p:nvPr/>
         </p:nvSpPr>
         <p:spPr>
           <a:xfrm>
-            <a:off x="1892462" y="1337209"/>
+            <a:off x="346773" y="2085888"/>
             <a:ext cx="627073" cy="627073"/>
           </a:xfrm>
           <a:prstGeom prst="ellipse">
             <a:avLst/>
           </a:prstGeom>
+          <a:noFill/>
         </p:spPr>
         <p:style>
           <a:lnRef idx="2">
@@ -3548,7 +3509,7 @@
             <a:pPr algn="ctr"/>
             <a:r>
               <a:rPr lang="en-US" dirty="0" smtClean="0"/>
-              <a:t>X</a:t>
+              <a:t>X*</a:t>
             </a:r>
             <a:endParaRPr lang="en-US" dirty="0"/>
           </a:p>
@@ -3556,14 +3517,14 @@
       </p:sp>
       <p:sp>
         <p:nvSpPr>
-          <p:cNvPr id="5" name="TextBox 4"/>
+          <p:cNvPr id="51" name="TextBox 50"/>
           <p:cNvSpPr txBox="1"/>
           <p:nvPr/>
         </p:nvSpPr>
         <p:spPr>
           <a:xfrm>
-            <a:off x="2668450" y="885861"/>
-            <a:ext cx="813043" cy="369332"/>
+            <a:off x="1260744" y="2214759"/>
+            <a:ext cx="620683" cy="369332"/>
           </a:xfrm>
           <a:prstGeom prst="rect">
             <a:avLst/>
@@ -3591,7 +3552,7 @@
           <a:p>
             <a:r>
               <a:rPr lang="en-US" dirty="0" smtClean="0"/>
-              <a:t>parent</a:t>
+              <a:t>aunt</a:t>
             </a:r>
             <a:endParaRPr lang="en-US" dirty="0"/>
           </a:p>
@@ -3599,13 +3560,13 @@
       </p:sp>
       <p:sp>
         <p:nvSpPr>
-          <p:cNvPr id="6" name="Oval 5"/>
+          <p:cNvPr id="52" name="Oval 51"/>
           <p:cNvSpPr/>
           <p:nvPr/>
         </p:nvSpPr>
         <p:spPr>
           <a:xfrm>
-            <a:off x="3959860" y="1337209"/>
+            <a:off x="2122304" y="2095457"/>
             <a:ext cx="627073" cy="627073"/>
           </a:xfrm>
           <a:prstGeom prst="ellipse">
@@ -3633,7 +3594,7 @@
             <a:pPr algn="ctr"/>
             <a:r>
               <a:rPr lang="en-US" dirty="0" smtClean="0"/>
-              <a:t>Z</a:t>
+              <a:t>W</a:t>
             </a:r>
             <a:endParaRPr lang="en-US" dirty="0"/>
           </a:p>
@@ -3641,14 +3602,14 @@
       </p:sp>
       <p:sp>
         <p:nvSpPr>
-          <p:cNvPr id="7" name="TextBox 6"/>
+          <p:cNvPr id="54" name="TextBox 53"/>
           <p:cNvSpPr txBox="1"/>
           <p:nvPr/>
         </p:nvSpPr>
         <p:spPr>
           <a:xfrm>
-            <a:off x="5013528" y="885861"/>
-            <a:ext cx="902811" cy="369332"/>
+            <a:off x="3081686" y="2214759"/>
+            <a:ext cx="991903" cy="369332"/>
           </a:xfrm>
           <a:prstGeom prst="rect">
             <a:avLst/>
@@ -3676,7 +3637,7 @@
           <a:p>
             <a:r>
               <a:rPr lang="en-US" dirty="0" smtClean="0"/>
-              <a:t>brother</a:t>
+              <a:t>husband</a:t>
             </a:r>
             <a:endParaRPr lang="en-US" dirty="0"/>
           </a:p>
@@ -3684,13 +3645,13 @@
       </p:sp>
       <p:sp>
         <p:nvSpPr>
-          <p:cNvPr id="8" name="Oval 7"/>
+          <p:cNvPr id="55" name="Oval 54"/>
           <p:cNvSpPr/>
           <p:nvPr/>
         </p:nvSpPr>
         <p:spPr>
           <a:xfrm>
-            <a:off x="6309612" y="1337209"/>
+            <a:off x="4363536" y="2085888"/>
             <a:ext cx="627073" cy="627073"/>
           </a:xfrm>
           <a:prstGeom prst="ellipse">
@@ -3718,7 +3679,7 @@
             <a:pPr algn="ctr"/>
             <a:r>
               <a:rPr lang="en-US" dirty="0" smtClean="0"/>
-              <a:t>Y</a:t>
+              <a:t>Y*</a:t>
             </a:r>
             <a:endParaRPr lang="en-US" dirty="0"/>
           </a:p>
@@ -3726,17 +3687,17 @@
       </p:sp>
       <p:cxnSp>
         <p:nvCxnSpPr>
-          <p:cNvPr id="10" name="Straight Connector 9"/>
+          <p:cNvPr id="57" name="Straight Connector 56"/>
           <p:cNvCxnSpPr>
-            <a:stCxn id="4" idx="7"/>
-            <a:endCxn id="5" idx="1"/>
+            <a:stCxn id="49" idx="6"/>
+            <a:endCxn id="51" idx="1"/>
           </p:cNvCxnSpPr>
           <p:nvPr/>
         </p:nvCxnSpPr>
         <p:spPr>
-          <a:xfrm flipV="1">
-            <a:off x="2427702" y="1070527"/>
-            <a:ext cx="240748" cy="358515"/>
+          <a:xfrm>
+            <a:off x="973846" y="2399425"/>
+            <a:ext cx="286898" cy="0"/>
           </a:xfrm>
           <a:prstGeom prst="line">
             <a:avLst/>
@@ -3759,17 +3720,17 @@
       </p:cxnSp>
       <p:cxnSp>
         <p:nvCxnSpPr>
-          <p:cNvPr id="12" name="Straight Connector 11"/>
+          <p:cNvPr id="58" name="Straight Connector 57"/>
           <p:cNvCxnSpPr>
-            <a:stCxn id="5" idx="3"/>
-            <a:endCxn id="6" idx="1"/>
+            <a:stCxn id="51" idx="3"/>
+            <a:endCxn id="52" idx="2"/>
           </p:cNvCxnSpPr>
           <p:nvPr/>
         </p:nvCxnSpPr>
         <p:spPr>
           <a:xfrm>
-            <a:off x="3481493" y="1070527"/>
-            <a:ext cx="570200" cy="358515"/>
+            <a:off x="1881427" y="2399425"/>
+            <a:ext cx="240877" cy="9569"/>
           </a:xfrm>
           <a:prstGeom prst="line">
             <a:avLst/>
@@ -3792,17 +3753,17 @@
       </p:cxnSp>
       <p:cxnSp>
         <p:nvCxnSpPr>
-          <p:cNvPr id="15" name="Straight Connector 14"/>
+          <p:cNvPr id="59" name="Straight Connector 58"/>
           <p:cNvCxnSpPr>
-            <a:stCxn id="6" idx="7"/>
-            <a:endCxn id="7" idx="1"/>
+            <a:stCxn id="52" idx="6"/>
+            <a:endCxn id="54" idx="1"/>
           </p:cNvCxnSpPr>
           <p:nvPr/>
         </p:nvCxnSpPr>
         <p:spPr>
           <a:xfrm flipV="1">
-            <a:off x="4495100" y="1070527"/>
-            <a:ext cx="518428" cy="358515"/>
+            <a:off x="2749377" y="2399425"/>
+            <a:ext cx="332309" cy="9569"/>
           </a:xfrm>
           <a:prstGeom prst="line">
             <a:avLst/>
@@ -3825,17 +3786,17 @@
       </p:cxnSp>
       <p:cxnSp>
         <p:nvCxnSpPr>
-          <p:cNvPr id="17" name="Straight Connector 16"/>
+          <p:cNvPr id="60" name="Straight Connector 59"/>
           <p:cNvCxnSpPr>
-            <a:stCxn id="7" idx="3"/>
-            <a:endCxn id="8" idx="1"/>
+            <a:stCxn id="54" idx="3"/>
+            <a:endCxn id="55" idx="2"/>
           </p:cNvCxnSpPr>
           <p:nvPr/>
         </p:nvCxnSpPr>
         <p:spPr>
           <a:xfrm>
-            <a:off x="5916339" y="1070527"/>
-            <a:ext cx="485106" cy="358515"/>
+            <a:off x="4073589" y="2399425"/>
+            <a:ext cx="289947" cy="0"/>
           </a:xfrm>
           <a:prstGeom prst="line">
             <a:avLst/>
@@ -3858,60 +3819,131 @@
       </p:cxnSp>
       <p:sp>
         <p:nvSpPr>
-          <p:cNvPr id="23" name="Rectangle 22"/>
-          <p:cNvSpPr/>
+          <p:cNvPr id="61" name="TextBox 60"/>
+          <p:cNvSpPr txBox="1"/>
           <p:nvPr/>
         </p:nvSpPr>
         <p:spPr>
           <a:xfrm>
-            <a:off x="1552089" y="603623"/>
-            <a:ext cx="5785060" cy="1803189"/>
+            <a:off x="915514" y="2980271"/>
+            <a:ext cx="3588430" cy="369332"/>
           </a:xfrm>
           <a:prstGeom prst="rect">
             <a:avLst/>
           </a:prstGeom>
-          <a:noFill/>
-          <a:ln>
-            <a:prstDash val="sysDash"/>
-          </a:ln>
-        </p:spPr>
-        <p:style>
-          <a:lnRef idx="1">
-            <a:schemeClr val="accent1"/>
-          </a:lnRef>
-          <a:fillRef idx="3">
-            <a:schemeClr val="accent1"/>
-          </a:fillRef>
-          <a:effectRef idx="2">
-            <a:schemeClr val="accent1"/>
-          </a:effectRef>
-          <a:fontRef idx="minor">
-            <a:schemeClr val="lt1"/>
-          </a:fontRef>
-        </p:style>
-        <p:txBody>
-          <a:bodyPr rtlCol="0" anchor="ctr"/>
-          <a:lstStyle/>
-          <a:p>
-            <a:pPr algn="ctr"/>
+          <a:solidFill>
+            <a:schemeClr val="bg1"/>
+          </a:solidFill>
+        </p:spPr>
+        <p:txBody>
+          <a:bodyPr wrap="none" rtlCol="0">
+            <a:spAutoFit/>
+          </a:bodyPr>
+          <a:lstStyle/>
+          <a:p>
+            <a:r>
+              <a:rPr lang="en-US" dirty="0" smtClean="0"/>
+              <a:t>uncle(X,Y):-aunt(X,W),husband(W,Y)</a:t>
+            </a:r>
             <a:endParaRPr lang="en-US" dirty="0"/>
           </a:p>
         </p:txBody>
       </p:sp>
       <p:sp>
         <p:nvSpPr>
-          <p:cNvPr id="24" name="Oval 23"/>
+          <p:cNvPr id="65" name="TextBox 64"/>
+          <p:cNvSpPr txBox="1"/>
+          <p:nvPr/>
+        </p:nvSpPr>
+        <p:spPr>
+          <a:xfrm>
+            <a:off x="5686256" y="22915"/>
+            <a:ext cx="3418010" cy="923330"/>
+          </a:xfrm>
+          <a:prstGeom prst="rect">
+            <a:avLst/>
+          </a:prstGeom>
+          <a:solidFill>
+            <a:schemeClr val="bg1"/>
+          </a:solidFill>
+        </p:spPr>
+        <p:txBody>
+          <a:bodyPr wrap="none" rtlCol="0">
+            <a:spAutoFit/>
+          </a:bodyPr>
+          <a:lstStyle/>
+          <a:p>
+            <a:r>
+              <a:rPr lang="en-US" dirty="0"/>
+              <a:t>status(X,T):</a:t>
+            </a:r>
+            <a:r>
+              <a:rPr lang="en-US" dirty="0" smtClean="0"/>
+              <a:t>-</a:t>
+            </a:r>
+          </a:p>
+          <a:p>
+            <a:r>
+              <a:rPr lang="en-US" dirty="0"/>
+              <a:t>	</a:t>
+            </a:r>
+            <a:r>
+              <a:rPr lang="en-US" dirty="0" err="1" smtClean="0"/>
+              <a:t>assign_tired</a:t>
+            </a:r>
+            <a:r>
+              <a:rPr lang="en-US" dirty="0" smtClean="0"/>
+              <a:t>(T),parent</a:t>
+            </a:r>
+            <a:r>
+              <a:rPr lang="en-US" dirty="0"/>
+              <a:t>(X</a:t>
+            </a:r>
+            <a:r>
+              <a:rPr lang="en-US" dirty="0" smtClean="0"/>
+              <a:t>,W),</a:t>
+            </a:r>
+          </a:p>
+          <a:p>
+            <a:r>
+              <a:rPr lang="en-US" dirty="0"/>
+              <a:t>	</a:t>
+            </a:r>
+            <a:r>
+              <a:rPr lang="en-US" dirty="0" smtClean="0"/>
+              <a:t>infant(</a:t>
+            </a:r>
+            <a:r>
+              <a:rPr lang="en-US" dirty="0" smtClean="0"/>
+              <a:t>W)</a:t>
+            </a:r>
+            <a:r>
+              <a:rPr lang="en-US" dirty="0" smtClean="0"/>
+              <a:t>,</a:t>
+            </a:r>
+            <a:r>
+              <a:rPr lang="en-US" u="sng" dirty="0" smtClean="0"/>
+              <a:t>any(T,W).</a:t>
+            </a:r>
+            <a:endParaRPr lang="en-US" u="sng" dirty="0"/>
+          </a:p>
+        </p:txBody>
+      </p:sp>
+      <p:sp>
+        <p:nvSpPr>
+          <p:cNvPr id="116" name="Oval 115"/>
           <p:cNvSpPr/>
           <p:nvPr/>
         </p:nvSpPr>
         <p:spPr>
           <a:xfrm>
-            <a:off x="1800629" y="3442382"/>
+            <a:off x="5811154" y="1132510"/>
             <a:ext cx="627073" cy="627073"/>
           </a:xfrm>
           <a:prstGeom prst="ellipse">
             <a:avLst/>
           </a:prstGeom>
+          <a:noFill/>
         </p:spPr>
         <p:style>
           <a:lnRef idx="2">
@@ -3934,7 +3966,7 @@
             <a:pPr algn="ctr"/>
             <a:r>
               <a:rPr lang="en-US" dirty="0" smtClean="0"/>
-              <a:t>X</a:t>
+              <a:t>X*</a:t>
             </a:r>
             <a:endParaRPr lang="en-US" dirty="0"/>
           </a:p>
@@ -3942,14 +3974,14 @@
       </p:sp>
       <p:sp>
         <p:nvSpPr>
-          <p:cNvPr id="25" name="TextBox 24"/>
+          <p:cNvPr id="117" name="TextBox 116"/>
           <p:cNvSpPr txBox="1"/>
           <p:nvPr/>
         </p:nvSpPr>
         <p:spPr>
           <a:xfrm>
-            <a:off x="2668450" y="3060969"/>
-            <a:ext cx="991903" cy="369332"/>
+            <a:off x="5718169" y="2048799"/>
+            <a:ext cx="813043" cy="369332"/>
           </a:xfrm>
           <a:prstGeom prst="rect">
             <a:avLst/>
@@ -3977,7 +4009,7 @@
           <a:p>
             <a:r>
               <a:rPr lang="en-US" dirty="0" smtClean="0"/>
-              <a:t>husband</a:t>
+              <a:t>parent</a:t>
             </a:r>
             <a:endParaRPr lang="en-US" dirty="0"/>
           </a:p>
@@ -3985,13 +4017,13 @@
       </p:sp>
       <p:sp>
         <p:nvSpPr>
-          <p:cNvPr id="26" name="Oval 25"/>
+          <p:cNvPr id="118" name="Oval 117"/>
           <p:cNvSpPr/>
           <p:nvPr/>
         </p:nvSpPr>
         <p:spPr>
           <a:xfrm>
-            <a:off x="4181563" y="3512317"/>
+            <a:off x="5811154" y="2722530"/>
             <a:ext cx="627073" cy="627073"/>
           </a:xfrm>
           <a:prstGeom prst="ellipse">
@@ -4019,7 +4051,7 @@
             <a:pPr algn="ctr"/>
             <a:r>
               <a:rPr lang="en-US" dirty="0" smtClean="0"/>
-              <a:t>Z</a:t>
+              <a:t>W</a:t>
             </a:r>
             <a:endParaRPr lang="en-US" dirty="0"/>
           </a:p>
@@ -4027,14 +4059,14 @@
       </p:sp>
       <p:sp>
         <p:nvSpPr>
-          <p:cNvPr id="27" name="TextBox 26"/>
+          <p:cNvPr id="119" name="TextBox 118"/>
           <p:cNvSpPr txBox="1"/>
           <p:nvPr/>
         </p:nvSpPr>
         <p:spPr>
           <a:xfrm>
-            <a:off x="5185912" y="3073050"/>
-            <a:ext cx="620683" cy="369332"/>
+            <a:off x="7487244" y="1275295"/>
+            <a:ext cx="1318878" cy="369332"/>
           </a:xfrm>
           <a:prstGeom prst="rect">
             <a:avLst/>
@@ -4061,8 +4093,8 @@
           <a:lstStyle/>
           <a:p>
             <a:r>
-              <a:rPr lang="en-US" dirty="0" smtClean="0"/>
-              <a:t>aunt</a:t>
+              <a:rPr lang="en-US" smtClean="0"/>
+              <a:t>assign_tired</a:t>
             </a:r>
             <a:endParaRPr lang="en-US" dirty="0"/>
           </a:p>
@@ -4070,13 +4102,13 @@
       </p:sp>
       <p:sp>
         <p:nvSpPr>
-          <p:cNvPr id="28" name="Oval 27"/>
+          <p:cNvPr id="120" name="Oval 119"/>
           <p:cNvSpPr/>
           <p:nvPr/>
         </p:nvSpPr>
         <p:spPr>
           <a:xfrm>
-            <a:off x="6309612" y="3512317"/>
+            <a:off x="7870522" y="1866074"/>
             <a:ext cx="627073" cy="627073"/>
           </a:xfrm>
           <a:prstGeom prst="ellipse">
@@ -4104,7 +4136,7 @@
             <a:pPr algn="ctr"/>
             <a:r>
               <a:rPr lang="en-US" dirty="0" smtClean="0"/>
-              <a:t>Y</a:t>
+              <a:t>T*</a:t>
             </a:r>
             <a:endParaRPr lang="en-US" dirty="0"/>
           </a:p>
@@ -4112,17 +4144,16 @@
       </p:sp>
       <p:cxnSp>
         <p:nvCxnSpPr>
-          <p:cNvPr id="29" name="Straight Connector 28"/>
+          <p:cNvPr id="121" name="Straight Connector 120"/>
           <p:cNvCxnSpPr>
-            <a:stCxn id="24" idx="7"/>
-            <a:endCxn id="25" idx="1"/>
+            <a:stCxn id="116" idx="4"/>
           </p:cNvCxnSpPr>
           <p:nvPr/>
         </p:nvCxnSpPr>
         <p:spPr>
-          <a:xfrm flipV="1">
-            <a:off x="2335869" y="3245635"/>
-            <a:ext cx="332581" cy="288580"/>
+          <a:xfrm>
+            <a:off x="6124691" y="1759583"/>
+            <a:ext cx="0" cy="280062"/>
           </a:xfrm>
           <a:prstGeom prst="line">
             <a:avLst/>
@@ -4145,17 +4176,14 @@
       </p:cxnSp>
       <p:cxnSp>
         <p:nvCxnSpPr>
-          <p:cNvPr id="30" name="Straight Connector 29"/>
-          <p:cNvCxnSpPr>
-            <a:stCxn id="25" idx="3"/>
-            <a:endCxn id="26" idx="1"/>
-          </p:cNvCxnSpPr>
+          <p:cNvPr id="124" name="Straight Connector 123"/>
+          <p:cNvCxnSpPr/>
           <p:nvPr/>
         </p:nvCxnSpPr>
         <p:spPr>
           <a:xfrm>
-            <a:off x="3660353" y="3245635"/>
-            <a:ext cx="613043" cy="358515"/>
+            <a:off x="8159193" y="1644627"/>
+            <a:ext cx="1" cy="221447"/>
           </a:xfrm>
           <a:prstGeom prst="line">
             <a:avLst/>
@@ -4178,17 +4206,89 @@
       </p:cxnSp>
       <p:cxnSp>
         <p:nvCxnSpPr>
-          <p:cNvPr id="31" name="Straight Connector 30"/>
+          <p:cNvPr id="128" name="Straight Connector 127"/>
+          <p:cNvCxnSpPr/>
+          <p:nvPr/>
+        </p:nvCxnSpPr>
+        <p:spPr>
+          <a:xfrm>
+            <a:off x="6124691" y="2442468"/>
+            <a:ext cx="0" cy="280062"/>
+          </a:xfrm>
+          <a:prstGeom prst="line">
+            <a:avLst/>
+          </a:prstGeom>
+        </p:spPr>
+        <p:style>
+          <a:lnRef idx="2">
+            <a:schemeClr val="accent1"/>
+          </a:lnRef>
+          <a:fillRef idx="0">
+            <a:schemeClr val="accent1"/>
+          </a:fillRef>
+          <a:effectRef idx="1">
+            <a:schemeClr val="accent1"/>
+          </a:effectRef>
+          <a:fontRef idx="minor">
+            <a:schemeClr val="tx1"/>
+          </a:fontRef>
+        </p:style>
+      </p:cxnSp>
+      <p:sp>
+        <p:nvSpPr>
+          <p:cNvPr id="129" name="TextBox 128"/>
+          <p:cNvSpPr txBox="1"/>
+          <p:nvPr/>
+        </p:nvSpPr>
+        <p:spPr>
+          <a:xfrm>
+            <a:off x="6797007" y="2816643"/>
+            <a:ext cx="738529" cy="369332"/>
+          </a:xfrm>
+          <a:prstGeom prst="rect">
+            <a:avLst/>
+          </a:prstGeom>
+        </p:spPr>
+        <p:style>
+          <a:lnRef idx="2">
+            <a:schemeClr val="dk1"/>
+          </a:lnRef>
+          <a:fillRef idx="1">
+            <a:schemeClr val="lt1"/>
+          </a:fillRef>
+          <a:effectRef idx="0">
+            <a:schemeClr val="dk1"/>
+          </a:effectRef>
+          <a:fontRef idx="minor">
+            <a:schemeClr val="dk1"/>
+          </a:fontRef>
+        </p:style>
+        <p:txBody>
+          <a:bodyPr wrap="none" rtlCol="0">
+            <a:spAutoFit/>
+          </a:bodyPr>
+          <a:lstStyle/>
+          <a:p>
+            <a:r>
+              <a:rPr lang="en-US" dirty="0" smtClean="0"/>
+              <a:t>infant</a:t>
+            </a:r>
+            <a:endParaRPr lang="en-US" dirty="0"/>
+          </a:p>
+        </p:txBody>
+      </p:sp>
+      <p:cxnSp>
+        <p:nvCxnSpPr>
+          <p:cNvPr id="130" name="Straight Connector 129"/>
           <p:cNvCxnSpPr>
-            <a:stCxn id="26" idx="7"/>
-            <a:endCxn id="27" idx="1"/>
+            <a:endCxn id="129" idx="1"/>
           </p:cNvCxnSpPr>
           <p:nvPr/>
         </p:nvCxnSpPr>
         <p:spPr>
-          <a:xfrm flipV="1">
-            <a:off x="4716803" y="3257716"/>
-            <a:ext cx="469109" cy="346434"/>
+          <a:xfrm>
+            <a:off x="6437762" y="3001309"/>
+            <a:ext cx="359245" cy="0"/>
           </a:xfrm>
           <a:prstGeom prst="line">
             <a:avLst/>
@@ -4211,218 +4311,14 @@
       </p:cxnSp>
       <p:cxnSp>
         <p:nvCxnSpPr>
-          <p:cNvPr id="32" name="Straight Connector 31"/>
-          <p:cNvCxnSpPr>
-            <a:stCxn id="27" idx="3"/>
-            <a:endCxn id="28" idx="1"/>
-          </p:cNvCxnSpPr>
+          <p:cNvPr id="134" name="Straight Connector 133"/>
+          <p:cNvCxnSpPr/>
           <p:nvPr/>
         </p:nvCxnSpPr>
         <p:spPr>
           <a:xfrm>
-            <a:off x="5806595" y="3257716"/>
-            <a:ext cx="594850" cy="346434"/>
-          </a:xfrm>
-          <a:prstGeom prst="line">
-            <a:avLst/>
-          </a:prstGeom>
-        </p:spPr>
-        <p:style>
-          <a:lnRef idx="2">
-            <a:schemeClr val="accent1"/>
-          </a:lnRef>
-          <a:fillRef idx="0">
-            <a:schemeClr val="accent1"/>
-          </a:fillRef>
-          <a:effectRef idx="1">
-            <a:schemeClr val="accent1"/>
-          </a:effectRef>
-          <a:fontRef idx="minor">
-            <a:schemeClr val="tx1"/>
-          </a:fontRef>
-        </p:style>
-      </p:cxnSp>
-      <p:sp>
-        <p:nvSpPr>
-          <p:cNvPr id="33" name="Rectangle 32"/>
-          <p:cNvSpPr/>
-          <p:nvPr/>
-        </p:nvSpPr>
-        <p:spPr>
-          <a:xfrm>
-            <a:off x="1552089" y="2778731"/>
-            <a:ext cx="5785060" cy="1803189"/>
-          </a:xfrm>
-          <a:prstGeom prst="rect">
-            <a:avLst/>
-          </a:prstGeom>
-          <a:noFill/>
-          <a:ln>
-            <a:prstDash val="sysDash"/>
-          </a:ln>
-        </p:spPr>
-        <p:style>
-          <a:lnRef idx="1">
-            <a:schemeClr val="accent1"/>
-          </a:lnRef>
-          <a:fillRef idx="3">
-            <a:schemeClr val="accent1"/>
-          </a:fillRef>
-          <a:effectRef idx="2">
-            <a:schemeClr val="accent1"/>
-          </a:effectRef>
-          <a:fontRef idx="minor">
-            <a:schemeClr val="lt1"/>
-          </a:fontRef>
-        </p:style>
-        <p:txBody>
-          <a:bodyPr rtlCol="0" anchor="ctr"/>
-          <a:lstStyle/>
-          <a:p>
-            <a:pPr algn="ctr"/>
-            <a:endParaRPr lang="en-US"/>
-          </a:p>
-        </p:txBody>
-      </p:sp>
-      <p:sp>
-        <p:nvSpPr>
-          <p:cNvPr id="36" name="Oval 35"/>
-          <p:cNvSpPr/>
-          <p:nvPr/>
-        </p:nvSpPr>
-        <p:spPr>
-          <a:xfrm>
-            <a:off x="351660" y="2236480"/>
-            <a:ext cx="627073" cy="627073"/>
-          </a:xfrm>
-          <a:prstGeom prst="ellipse">
-            <a:avLst/>
-          </a:prstGeom>
-        </p:spPr>
-        <p:style>
-          <a:lnRef idx="2">
-            <a:schemeClr val="dk1"/>
-          </a:lnRef>
-          <a:fillRef idx="1">
-            <a:schemeClr val="lt1"/>
-          </a:fillRef>
-          <a:effectRef idx="0">
-            <a:schemeClr val="dk1"/>
-          </a:effectRef>
-          <a:fontRef idx="minor">
-            <a:schemeClr val="dk1"/>
-          </a:fontRef>
-        </p:style>
-        <p:txBody>
-          <a:bodyPr rtlCol="0" anchor="ctr"/>
-          <a:lstStyle/>
-          <a:p>
-            <a:pPr algn="ctr"/>
-            <a:r>
-              <a:rPr lang="en-US" dirty="0" smtClean="0"/>
-              <a:t>X</a:t>
-            </a:r>
-            <a:endParaRPr lang="en-US" dirty="0"/>
-          </a:p>
-        </p:txBody>
-      </p:sp>
-      <p:sp>
-        <p:nvSpPr>
-          <p:cNvPr id="37" name="Oval 36"/>
-          <p:cNvSpPr/>
-          <p:nvPr/>
-        </p:nvSpPr>
-        <p:spPr>
-          <a:xfrm>
-            <a:off x="7856903" y="2241109"/>
-            <a:ext cx="627073" cy="627073"/>
-          </a:xfrm>
-          <a:prstGeom prst="ellipse">
-            <a:avLst/>
-          </a:prstGeom>
-        </p:spPr>
-        <p:style>
-          <a:lnRef idx="2">
-            <a:schemeClr val="dk1"/>
-          </a:lnRef>
-          <a:fillRef idx="1">
-            <a:schemeClr val="lt1"/>
-          </a:fillRef>
-          <a:effectRef idx="0">
-            <a:schemeClr val="dk1"/>
-          </a:effectRef>
-          <a:fontRef idx="minor">
-            <a:schemeClr val="dk1"/>
-          </a:fontRef>
-        </p:style>
-        <p:txBody>
-          <a:bodyPr rtlCol="0" anchor="ctr"/>
-          <a:lstStyle/>
-          <a:p>
-            <a:pPr algn="ctr"/>
-            <a:r>
-              <a:rPr lang="en-US" dirty="0" smtClean="0"/>
-              <a:t>Y</a:t>
-            </a:r>
-            <a:endParaRPr lang="en-US" dirty="0"/>
-          </a:p>
-        </p:txBody>
-      </p:sp>
-      <p:sp>
-        <p:nvSpPr>
-          <p:cNvPr id="42" name="Rectangle 41"/>
-          <p:cNvSpPr/>
-          <p:nvPr/>
-        </p:nvSpPr>
-        <p:spPr>
-          <a:xfrm>
-            <a:off x="141099" y="168932"/>
-            <a:ext cx="8607040" cy="4832959"/>
-          </a:xfrm>
-          <a:prstGeom prst="rect">
-            <a:avLst/>
-          </a:prstGeom>
-          <a:noFill/>
-          <a:ln>
-            <a:prstDash val="sysDash"/>
-          </a:ln>
-        </p:spPr>
-        <p:style>
-          <a:lnRef idx="1">
-            <a:schemeClr val="accent1"/>
-          </a:lnRef>
-          <a:fillRef idx="3">
-            <a:schemeClr val="accent1"/>
-          </a:fillRef>
-          <a:effectRef idx="2">
-            <a:schemeClr val="accent1"/>
-          </a:effectRef>
-          <a:fontRef idx="minor">
-            <a:schemeClr val="lt1"/>
-          </a:fontRef>
-        </p:style>
-        <p:txBody>
-          <a:bodyPr rtlCol="0" anchor="ctr"/>
-          <a:lstStyle/>
-          <a:p>
-            <a:pPr algn="ctr"/>
-            <a:endParaRPr lang="en-US"/>
-          </a:p>
-        </p:txBody>
-      </p:sp>
-      <p:cxnSp>
-        <p:nvCxnSpPr>
-          <p:cNvPr id="44" name="Straight Connector 43"/>
-          <p:cNvCxnSpPr>
-            <a:stCxn id="53" idx="0"/>
-            <a:endCxn id="4" idx="3"/>
-          </p:cNvCxnSpPr>
-          <p:nvPr/>
-        </p:nvCxnSpPr>
-        <p:spPr>
-          <a:xfrm flipV="1">
-            <a:off x="1183650" y="1872449"/>
-            <a:ext cx="800645" cy="581403"/>
+            <a:off x="5316417" y="0"/>
+            <a:ext cx="0" cy="3510349"/>
           </a:xfrm>
           <a:prstGeom prst="line">
             <a:avLst/>
@@ -4445,17 +4341,14 @@
       </p:cxnSp>
       <p:cxnSp>
         <p:nvCxnSpPr>
-          <p:cNvPr id="46" name="Straight Connector 45"/>
-          <p:cNvCxnSpPr>
-            <a:stCxn id="53" idx="2"/>
-            <a:endCxn id="24" idx="1"/>
-          </p:cNvCxnSpPr>
+          <p:cNvPr id="136" name="Straight Connector 135"/>
+          <p:cNvCxnSpPr/>
           <p:nvPr/>
         </p:nvCxnSpPr>
         <p:spPr>
           <a:xfrm>
-            <a:off x="1183650" y="2657691"/>
-            <a:ext cx="708812" cy="876524"/>
+            <a:off x="0" y="3510346"/>
+            <a:ext cx="9144000" cy="0"/>
           </a:xfrm>
           <a:prstGeom prst="line">
             <a:avLst/>
@@ -4478,17 +4371,14 @@
       </p:cxnSp>
       <p:cxnSp>
         <p:nvCxnSpPr>
-          <p:cNvPr id="48" name="Straight Connector 47"/>
-          <p:cNvCxnSpPr>
-            <a:stCxn id="8" idx="5"/>
-            <a:endCxn id="69" idx="0"/>
-          </p:cNvCxnSpPr>
+          <p:cNvPr id="145" name="Straight Connector 144"/>
+          <p:cNvCxnSpPr/>
           <p:nvPr/>
         </p:nvCxnSpPr>
         <p:spPr>
           <a:xfrm>
-            <a:off x="6844852" y="1872449"/>
-            <a:ext cx="719638" cy="581403"/>
+            <a:off x="0" y="1775359"/>
+            <a:ext cx="5316417" cy="0"/>
           </a:xfrm>
           <a:prstGeom prst="line">
             <a:avLst/>
@@ -4511,17 +4401,14 @@
       </p:cxnSp>
       <p:cxnSp>
         <p:nvCxnSpPr>
-          <p:cNvPr id="50" name="Straight Connector 49"/>
-          <p:cNvCxnSpPr>
-            <a:stCxn id="28" idx="7"/>
-            <a:endCxn id="69" idx="2"/>
-          </p:cNvCxnSpPr>
+          <p:cNvPr id="151" name="Straight Connector 150"/>
+          <p:cNvCxnSpPr/>
           <p:nvPr/>
         </p:nvCxnSpPr>
         <p:spPr>
-          <a:xfrm flipV="1">
-            <a:off x="6844852" y="2657691"/>
-            <a:ext cx="719638" cy="946459"/>
+          <a:xfrm>
+            <a:off x="-20706" y="22915"/>
+            <a:ext cx="9144000" cy="0"/>
           </a:xfrm>
           <a:prstGeom prst="line">
             <a:avLst/>
@@ -4544,61 +4431,60 @@
       </p:cxnSp>
       <p:sp>
         <p:nvSpPr>
-          <p:cNvPr id="53" name="Rectangle 52"/>
-          <p:cNvSpPr/>
+          <p:cNvPr id="47" name="TextBox 46"/>
+          <p:cNvSpPr txBox="1"/>
           <p:nvPr/>
         </p:nvSpPr>
         <p:spPr>
           <a:xfrm>
-            <a:off x="1081730" y="2453852"/>
-            <a:ext cx="203839" cy="203839"/>
+            <a:off x="6966248" y="1994945"/>
+            <a:ext cx="520996" cy="369332"/>
           </a:xfrm>
           <a:prstGeom prst="rect">
             <a:avLst/>
           </a:prstGeom>
-          <a:solidFill>
-            <a:schemeClr val="tx1"/>
-          </a:solidFill>
-          <a:ln>
-            <a:noFill/>
-          </a:ln>
         </p:spPr>
         <p:style>
-          <a:lnRef idx="1">
-            <a:schemeClr val="accent1"/>
+          <a:lnRef idx="2">
+            <a:schemeClr val="dk1"/>
           </a:lnRef>
-          <a:fillRef idx="3">
-            <a:schemeClr val="accent1"/>
+          <a:fillRef idx="1">
+            <a:schemeClr val="lt1"/>
           </a:fillRef>
-          <a:effectRef idx="2">
-            <a:schemeClr val="accent1"/>
+          <a:effectRef idx="0">
+            <a:schemeClr val="dk1"/>
           </a:effectRef>
           <a:fontRef idx="minor">
-            <a:schemeClr val="lt1"/>
+            <a:schemeClr val="dk1"/>
           </a:fontRef>
         </p:style>
         <p:txBody>
-          <a:bodyPr rtlCol="0" anchor="ctr"/>
-          <a:lstStyle/>
-          <a:p>
-            <a:pPr algn="ctr"/>
-            <a:endParaRPr lang="en-US"/>
+          <a:bodyPr wrap="none" rtlCol="0">
+            <a:spAutoFit/>
+          </a:bodyPr>
+          <a:lstStyle/>
+          <a:p>
+            <a:r>
+              <a:rPr lang="en-US" u="sng" dirty="0" smtClean="0"/>
+              <a:t>any</a:t>
+            </a:r>
+            <a:endParaRPr lang="en-US" u="sng" dirty="0"/>
           </a:p>
         </p:txBody>
       </p:sp>
       <p:cxnSp>
         <p:nvCxnSpPr>
-          <p:cNvPr id="56" name="Straight Connector 55"/>
+          <p:cNvPr id="3" name="Straight Connector 2"/>
           <p:cNvCxnSpPr>
-            <a:stCxn id="36" idx="6"/>
-            <a:endCxn id="53" idx="1"/>
+            <a:stCxn id="120" idx="2"/>
+            <a:endCxn id="47" idx="3"/>
           </p:cNvCxnSpPr>
           <p:nvPr/>
         </p:nvCxnSpPr>
         <p:spPr>
-          <a:xfrm>
-            <a:off x="978733" y="2550017"/>
-            <a:ext cx="102997" cy="5755"/>
+          <a:xfrm flipH="1">
+            <a:off x="7487244" y="2179611"/>
+            <a:ext cx="383278" cy="0"/>
           </a:xfrm>
           <a:prstGeom prst="line">
             <a:avLst/>
@@ -4619,63 +4505,18 @@
           </a:fontRef>
         </p:style>
       </p:cxnSp>
-      <p:sp>
-        <p:nvSpPr>
-          <p:cNvPr id="69" name="Rectangle 68"/>
-          <p:cNvSpPr/>
-          <p:nvPr/>
-        </p:nvSpPr>
-        <p:spPr>
-          <a:xfrm>
-            <a:off x="7462570" y="2453852"/>
-            <a:ext cx="203839" cy="203839"/>
-          </a:xfrm>
-          <a:prstGeom prst="rect">
-            <a:avLst/>
-          </a:prstGeom>
-          <a:solidFill>
-            <a:schemeClr val="tx1"/>
-          </a:solidFill>
-          <a:ln>
-            <a:noFill/>
-          </a:ln>
-        </p:spPr>
-        <p:style>
-          <a:lnRef idx="1">
-            <a:schemeClr val="accent1"/>
-          </a:lnRef>
-          <a:fillRef idx="3">
-            <a:schemeClr val="accent1"/>
-          </a:fillRef>
-          <a:effectRef idx="2">
-            <a:schemeClr val="accent1"/>
-          </a:effectRef>
-          <a:fontRef idx="minor">
-            <a:schemeClr val="lt1"/>
-          </a:fontRef>
-        </p:style>
-        <p:txBody>
-          <a:bodyPr rtlCol="0" anchor="ctr"/>
-          <a:lstStyle/>
-          <a:p>
-            <a:pPr algn="ctr"/>
-            <a:endParaRPr lang="en-US"/>
-          </a:p>
-        </p:txBody>
-      </p:sp>
       <p:cxnSp>
         <p:nvCxnSpPr>
-          <p:cNvPr id="73" name="Straight Connector 72"/>
+          <p:cNvPr id="13" name="Straight Connector 12"/>
           <p:cNvCxnSpPr>
-            <a:stCxn id="37" idx="2"/>
-            <a:endCxn id="69" idx="3"/>
+            <a:endCxn id="118" idx="7"/>
           </p:cNvCxnSpPr>
           <p:nvPr/>
         </p:nvCxnSpPr>
         <p:spPr>
           <a:xfrm flipH="1">
-            <a:off x="7666409" y="2554646"/>
-            <a:ext cx="190494" cy="1126"/>
+            <a:off x="6346394" y="2364277"/>
+            <a:ext cx="619854" cy="450086"/>
           </a:xfrm>
           <a:prstGeom prst="line">
             <a:avLst/>
@@ -4696,106 +4537,10 @@
           </a:fontRef>
         </p:style>
       </p:cxnSp>
-      <p:sp>
-        <p:nvSpPr>
-          <p:cNvPr id="76" name="TextBox 75"/>
-          <p:cNvSpPr txBox="1"/>
-          <p:nvPr/>
-        </p:nvSpPr>
-        <p:spPr>
-          <a:xfrm>
-            <a:off x="7361441" y="4817225"/>
-            <a:ext cx="1122535" cy="369332"/>
-          </a:xfrm>
-          <a:prstGeom prst="rect">
-            <a:avLst/>
-          </a:prstGeom>
-          <a:solidFill>
-            <a:srgbClr val="FFFFFF"/>
-          </a:solidFill>
-        </p:spPr>
-        <p:txBody>
-          <a:bodyPr wrap="none" rtlCol="0">
-            <a:spAutoFit/>
-          </a:bodyPr>
-          <a:lstStyle/>
-          <a:p>
-            <a:r>
-              <a:rPr lang="en-US" dirty="0" smtClean="0"/>
-              <a:t>uncle(X,Y)</a:t>
-            </a:r>
-            <a:endParaRPr lang="en-US" dirty="0"/>
-          </a:p>
-        </p:txBody>
-      </p:sp>
-      <p:sp>
-        <p:nvSpPr>
-          <p:cNvPr id="77" name="TextBox 76"/>
-          <p:cNvSpPr txBox="1"/>
-          <p:nvPr/>
-        </p:nvSpPr>
-        <p:spPr>
-          <a:xfrm>
-            <a:off x="3542795" y="4403921"/>
-            <a:ext cx="3393890" cy="369332"/>
-          </a:xfrm>
-          <a:prstGeom prst="rect">
-            <a:avLst/>
-          </a:prstGeom>
-          <a:solidFill>
-            <a:schemeClr val="bg1"/>
-          </a:solidFill>
-        </p:spPr>
-        <p:txBody>
-          <a:bodyPr wrap="none" rtlCol="0">
-            <a:spAutoFit/>
-          </a:bodyPr>
-          <a:lstStyle/>
-          <a:p>
-            <a:r>
-              <a:rPr lang="en-US" dirty="0" smtClean="0"/>
-              <a:t>uncle(X,Y):-husband(X,Z),aunt(Z,Y)</a:t>
-            </a:r>
-            <a:endParaRPr lang="en-US" dirty="0"/>
-          </a:p>
-        </p:txBody>
-      </p:sp>
-      <p:sp>
-        <p:nvSpPr>
-          <p:cNvPr id="78" name="TextBox 77"/>
-          <p:cNvSpPr txBox="1"/>
-          <p:nvPr/>
-        </p:nvSpPr>
-        <p:spPr>
-          <a:xfrm>
-            <a:off x="3345464" y="2180685"/>
-            <a:ext cx="3499388" cy="369332"/>
-          </a:xfrm>
-          <a:prstGeom prst="rect">
-            <a:avLst/>
-          </a:prstGeom>
-          <a:solidFill>
-            <a:schemeClr val="bg1"/>
-          </a:solidFill>
-        </p:spPr>
-        <p:txBody>
-          <a:bodyPr wrap="none" rtlCol="0">
-            <a:spAutoFit/>
-          </a:bodyPr>
-          <a:lstStyle/>
-          <a:p>
-            <a:r>
-              <a:rPr lang="en-US" dirty="0" smtClean="0"/>
-              <a:t>uncle(X,Y):-parent(X,Z),brother(Z,Y)</a:t>
-            </a:r>
-            <a:endParaRPr lang="en-US" dirty="0"/>
-          </a:p>
-        </p:txBody>
-      </p:sp>
     </p:spTree>
     <p:extLst>
       <p:ext uri="{BB962C8B-B14F-4D97-AF65-F5344CB8AC3E}">
-        <p14:creationId xmlns:p14="http://schemas.microsoft.com/office/powerpoint/2010/main" val="2612481712"/>
+        <p14:creationId xmlns:p14="http://schemas.microsoft.com/office/powerpoint/2010/main" val="2294174448"/>
       </p:ext>
     </p:extLst>
   </p:cSld>
